--- a/images/precision_vs_recall.pptx
+++ b/images/precision_vs_recall.pptx
@@ -104,6 +104,11 @@
       </a:defRPr>
     </a:lvl9pPr>
   </p:defaultTextStyle>
+  <p:extLst>
+    <p:ext uri="{EFAFB233-063F-42B5-8137-9DF3F51BA10A}">
+      <p15:sldGuideLst xmlns:p15="http://schemas.microsoft.com/office/powerpoint/2012/main"/>
+    </p:ext>
+  </p:extLst>
 </p:presentation>
 </file>
 
@@ -3444,7 +3449,7 @@
         </p:nvSpPr>
         <p:spPr>
           <a:xfrm>
-            <a:off x="9579488" y="3690602"/>
+            <a:off x="9326702" y="3559786"/>
             <a:ext cx="1160818" cy="1308092"/>
           </a:xfrm>
           <a:prstGeom prst="rect">
@@ -3495,7 +3500,7 @@
         </p:nvSpPr>
         <p:spPr>
           <a:xfrm>
-            <a:off x="1" y="3167390"/>
+            <a:off x="667871" y="3167382"/>
             <a:ext cx="1913122" cy="523220"/>
           </a:xfrm>
           <a:prstGeom prst="rect">
@@ -3531,7 +3536,7 @@
         </p:nvSpPr>
         <p:spPr>
           <a:xfrm>
-            <a:off x="7638638" y="3167382"/>
+            <a:off x="7380220" y="3176265"/>
             <a:ext cx="1740050" cy="523220"/>
           </a:xfrm>
           <a:prstGeom prst="rect">
@@ -3570,7 +3575,7 @@
         </p:nvCxnSpPr>
         <p:spPr>
           <a:xfrm flipV="1">
-            <a:off x="1913123" y="3428992"/>
+            <a:off x="2580993" y="3428984"/>
             <a:ext cx="2197579" cy="8"/>
           </a:xfrm>
           <a:prstGeom prst="line">
@@ -3609,7 +3614,7 @@
         </p:nvCxnSpPr>
         <p:spPr>
           <a:xfrm>
-            <a:off x="9378688" y="3428992"/>
+            <a:off x="9120270" y="3437875"/>
             <a:ext cx="2553776" cy="0"/>
           </a:xfrm>
           <a:prstGeom prst="line">
@@ -3645,7 +3650,7 @@
         </p:nvSpPr>
         <p:spPr>
           <a:xfrm>
-            <a:off x="2291868" y="1990099"/>
+            <a:off x="2959738" y="1990091"/>
             <a:ext cx="1428747" cy="1308092"/>
           </a:xfrm>
           <a:prstGeom prst="chord">
@@ -3702,7 +3707,7 @@
         </p:nvSpPr>
         <p:spPr>
           <a:xfrm>
-            <a:off x="2314092" y="3550917"/>
+            <a:off x="2981962" y="3550909"/>
             <a:ext cx="1384298" cy="1308092"/>
           </a:xfrm>
           <a:prstGeom prst="ellipse">
@@ -3757,7 +3762,7 @@
         </p:nvSpPr>
         <p:spPr>
           <a:xfrm>
-            <a:off x="2296786" y="3550917"/>
+            <a:off x="2964656" y="3550909"/>
             <a:ext cx="1428747" cy="1308092"/>
           </a:xfrm>
           <a:prstGeom prst="chord">
@@ -3814,7 +3819,7 @@
         </p:nvSpPr>
         <p:spPr>
           <a:xfrm>
-            <a:off x="10031564" y="1981208"/>
+            <a:off x="9773146" y="1990091"/>
             <a:ext cx="1428747" cy="1308092"/>
           </a:xfrm>
           <a:prstGeom prst="chord">
@@ -3871,7 +3876,7 @@
         </p:nvSpPr>
         <p:spPr>
           <a:xfrm>
-            <a:off x="10025932" y="3690609"/>
+            <a:off x="9773146" y="3559793"/>
             <a:ext cx="1428747" cy="1308092"/>
           </a:xfrm>
           <a:prstGeom prst="chord">

--- a/images/precision_vs_recall.pptx
+++ b/images/precision_vs_recall.pptx
@@ -259,7 +259,7 @@
           <a:p>
             <a:fld id="{0472640E-5220-4745-A811-F41B4A68C966}" type="datetimeFigureOut">
               <a:rPr lang="en-US" smtClean="0"/>
-              <a:t>8/31/2023</a:t>
+              <a:t>9/21/2023</a:t>
             </a:fld>
             <a:endParaRPr lang="en-US"/>
           </a:p>
@@ -457,7 +457,7 @@
           <a:p>
             <a:fld id="{0472640E-5220-4745-A811-F41B4A68C966}" type="datetimeFigureOut">
               <a:rPr lang="en-US" smtClean="0"/>
-              <a:t>8/31/2023</a:t>
+              <a:t>9/21/2023</a:t>
             </a:fld>
             <a:endParaRPr lang="en-US"/>
           </a:p>
@@ -665,7 +665,7 @@
           <a:p>
             <a:fld id="{0472640E-5220-4745-A811-F41B4A68C966}" type="datetimeFigureOut">
               <a:rPr lang="en-US" smtClean="0"/>
-              <a:t>8/31/2023</a:t>
+              <a:t>9/21/2023</a:t>
             </a:fld>
             <a:endParaRPr lang="en-US"/>
           </a:p>
@@ -863,7 +863,7 @@
           <a:p>
             <a:fld id="{0472640E-5220-4745-A811-F41B4A68C966}" type="datetimeFigureOut">
               <a:rPr lang="en-US" smtClean="0"/>
-              <a:t>8/31/2023</a:t>
+              <a:t>9/21/2023</a:t>
             </a:fld>
             <a:endParaRPr lang="en-US"/>
           </a:p>
@@ -1138,7 +1138,7 @@
           <a:p>
             <a:fld id="{0472640E-5220-4745-A811-F41B4A68C966}" type="datetimeFigureOut">
               <a:rPr lang="en-US" smtClean="0"/>
-              <a:t>8/31/2023</a:t>
+              <a:t>9/21/2023</a:t>
             </a:fld>
             <a:endParaRPr lang="en-US"/>
           </a:p>
@@ -1403,7 +1403,7 @@
           <a:p>
             <a:fld id="{0472640E-5220-4745-A811-F41B4A68C966}" type="datetimeFigureOut">
               <a:rPr lang="en-US" smtClean="0"/>
-              <a:t>8/31/2023</a:t>
+              <a:t>9/21/2023</a:t>
             </a:fld>
             <a:endParaRPr lang="en-US"/>
           </a:p>
@@ -1815,7 +1815,7 @@
           <a:p>
             <a:fld id="{0472640E-5220-4745-A811-F41B4A68C966}" type="datetimeFigureOut">
               <a:rPr lang="en-US" smtClean="0"/>
-              <a:t>8/31/2023</a:t>
+              <a:t>9/21/2023</a:t>
             </a:fld>
             <a:endParaRPr lang="en-US"/>
           </a:p>
@@ -1956,7 +1956,7 @@
           <a:p>
             <a:fld id="{0472640E-5220-4745-A811-F41B4A68C966}" type="datetimeFigureOut">
               <a:rPr lang="en-US" smtClean="0"/>
-              <a:t>8/31/2023</a:t>
+              <a:t>9/21/2023</a:t>
             </a:fld>
             <a:endParaRPr lang="en-US"/>
           </a:p>
@@ -2069,7 +2069,7 @@
           <a:p>
             <a:fld id="{0472640E-5220-4745-A811-F41B4A68C966}" type="datetimeFigureOut">
               <a:rPr lang="en-US" smtClean="0"/>
-              <a:t>8/31/2023</a:t>
+              <a:t>9/21/2023</a:t>
             </a:fld>
             <a:endParaRPr lang="en-US"/>
           </a:p>
@@ -2380,7 +2380,7 @@
           <a:p>
             <a:fld id="{0472640E-5220-4745-A811-F41B4A68C966}" type="datetimeFigureOut">
               <a:rPr lang="en-US" smtClean="0"/>
-              <a:t>8/31/2023</a:t>
+              <a:t>9/21/2023</a:t>
             </a:fld>
             <a:endParaRPr lang="en-US"/>
           </a:p>
@@ -2668,7 +2668,7 @@
           <a:p>
             <a:fld id="{0472640E-5220-4745-A811-F41B4A68C966}" type="datetimeFigureOut">
               <a:rPr lang="en-US" smtClean="0"/>
-              <a:t>8/31/2023</a:t>
+              <a:t>9/21/2023</a:t>
             </a:fld>
             <a:endParaRPr lang="en-US"/>
           </a:p>
@@ -2909,7 +2909,7 @@
           <a:p>
             <a:fld id="{0472640E-5220-4745-A811-F41B4A68C966}" type="datetimeFigureOut">
               <a:rPr lang="en-US" smtClean="0"/>
-              <a:t>8/31/2023</a:t>
+              <a:t>9/21/2023</a:t>
             </a:fld>
             <a:endParaRPr lang="en-US"/>
           </a:p>
@@ -3340,7 +3340,7 @@
         </p:nvSpPr>
         <p:spPr>
           <a:xfrm>
-            <a:off x="6091081" y="2774946"/>
+            <a:off x="7712063" y="1999007"/>
             <a:ext cx="1092158" cy="1308092"/>
           </a:xfrm>
           <a:prstGeom prst="rect">
@@ -3398,7 +3398,7 @@
         </p:nvSpPr>
         <p:spPr>
           <a:xfrm>
-            <a:off x="4991227" y="2774946"/>
+            <a:off x="6612209" y="1999007"/>
             <a:ext cx="1103412" cy="1308076"/>
           </a:xfrm>
           <a:prstGeom prst="rect">
@@ -3449,7 +3449,7 @@
         </p:nvSpPr>
         <p:spPr>
           <a:xfrm>
-            <a:off x="9326702" y="3559786"/>
+            <a:off x="9202011" y="4998695"/>
             <a:ext cx="1160818" cy="1308092"/>
           </a:xfrm>
           <a:prstGeom prst="rect">
@@ -3500,7 +3500,7 @@
         </p:nvSpPr>
         <p:spPr>
           <a:xfrm>
-            <a:off x="667871" y="3167382"/>
+            <a:off x="543180" y="4606291"/>
             <a:ext cx="1913122" cy="523220"/>
           </a:xfrm>
           <a:prstGeom prst="rect">
@@ -3536,7 +3536,7 @@
         </p:nvSpPr>
         <p:spPr>
           <a:xfrm>
-            <a:off x="7380220" y="3176265"/>
+            <a:off x="7255529" y="4615174"/>
             <a:ext cx="1740050" cy="523220"/>
           </a:xfrm>
           <a:prstGeom prst="rect">
@@ -3575,7 +3575,7 @@
         </p:nvCxnSpPr>
         <p:spPr>
           <a:xfrm flipV="1">
-            <a:off x="2580993" y="3428984"/>
+            <a:off x="2456302" y="4867893"/>
             <a:ext cx="2197579" cy="8"/>
           </a:xfrm>
           <a:prstGeom prst="line">
@@ -3614,7 +3614,7 @@
         </p:nvCxnSpPr>
         <p:spPr>
           <a:xfrm>
-            <a:off x="9120270" y="3437875"/>
+            <a:off x="8995579" y="4876784"/>
             <a:ext cx="2553776" cy="0"/>
           </a:xfrm>
           <a:prstGeom prst="line">
@@ -3650,7 +3650,7 @@
         </p:nvSpPr>
         <p:spPr>
           <a:xfrm>
-            <a:off x="2959738" y="1990091"/>
+            <a:off x="2835047" y="3429000"/>
             <a:ext cx="1428747" cy="1308092"/>
           </a:xfrm>
           <a:prstGeom prst="chord">
@@ -3707,7 +3707,7 @@
         </p:nvSpPr>
         <p:spPr>
           <a:xfrm>
-            <a:off x="2981962" y="3550909"/>
+            <a:off x="2857271" y="4989818"/>
             <a:ext cx="1384298" cy="1308092"/>
           </a:xfrm>
           <a:prstGeom prst="ellipse">
@@ -3762,7 +3762,7 @@
         </p:nvSpPr>
         <p:spPr>
           <a:xfrm>
-            <a:off x="2964656" y="3550909"/>
+            <a:off x="2839965" y="4989818"/>
             <a:ext cx="1428747" cy="1308092"/>
           </a:xfrm>
           <a:prstGeom prst="chord">
@@ -3819,7 +3819,7 @@
         </p:nvSpPr>
         <p:spPr>
           <a:xfrm>
-            <a:off x="9773146" y="1990091"/>
+            <a:off x="9648455" y="3429000"/>
             <a:ext cx="1428747" cy="1308092"/>
           </a:xfrm>
           <a:prstGeom prst="chord">
@@ -3876,7 +3876,7 @@
         </p:nvSpPr>
         <p:spPr>
           <a:xfrm>
-            <a:off x="9773146" y="3559793"/>
+            <a:off x="9648455" y="4998702"/>
             <a:ext cx="1428747" cy="1308092"/>
           </a:xfrm>
           <a:prstGeom prst="chord">
@@ -3933,7 +3933,7 @@
         </p:nvSpPr>
         <p:spPr>
           <a:xfrm>
-            <a:off x="5402871" y="2774954"/>
+            <a:off x="7023853" y="1999015"/>
             <a:ext cx="1384298" cy="1308092"/>
           </a:xfrm>
           <a:prstGeom prst="ellipse">
@@ -3988,7 +3988,7 @@
         </p:nvSpPr>
         <p:spPr>
           <a:xfrm>
-            <a:off x="5381314" y="2774946"/>
+            <a:off x="7002296" y="1999007"/>
             <a:ext cx="1428747" cy="1308092"/>
           </a:xfrm>
           <a:prstGeom prst="chord">
@@ -4027,6 +4027,42 @@
             <a:r>
               <a:rPr lang="en-US" dirty="0"/>
               <a:t>TP</a:t>
+            </a:r>
+          </a:p>
+        </p:txBody>
+      </p:sp>
+      <p:sp>
+        <p:nvSpPr>
+          <p:cNvPr id="2" name="TextBox 1">
+            <a:extLst>
+              <a:ext uri="{FF2B5EF4-FFF2-40B4-BE49-F238E27FC236}">
+                <a16:creationId xmlns:a16="http://schemas.microsoft.com/office/drawing/2014/main" id="{37276DDE-F850-5511-8CB5-D03FE6317669}"/>
+              </a:ext>
+            </a:extLst>
+          </p:cNvPr>
+          <p:cNvSpPr txBox="1"/>
+          <p:nvPr/>
+        </p:nvSpPr>
+        <p:spPr>
+          <a:xfrm>
+            <a:off x="3641295" y="2391435"/>
+            <a:ext cx="2840610" cy="523220"/>
+          </a:xfrm>
+          <a:prstGeom prst="rect">
+            <a:avLst/>
+          </a:prstGeom>
+          <a:noFill/>
+        </p:spPr>
+        <p:txBody>
+          <a:bodyPr wrap="square" rtlCol="0">
+            <a:spAutoFit/>
+          </a:bodyPr>
+          <a:lstStyle/>
+          <a:p>
+            <a:pPr algn="ctr"/>
+            <a:r>
+              <a:rPr lang="en-US" sz="2800" dirty="0"/>
+              <a:t>Total Predictions =</a:t>
             </a:r>
           </a:p>
         </p:txBody>

--- a/images/precision_vs_recall.pptx
+++ b/images/precision_vs_recall.pptx
@@ -3340,8 +3340,8 @@
         </p:nvSpPr>
         <p:spPr>
           <a:xfrm>
-            <a:off x="7712063" y="1999007"/>
-            <a:ext cx="1092158" cy="1308092"/>
+            <a:off x="8044184" y="2007874"/>
+            <a:ext cx="1055752" cy="1308092"/>
           </a:xfrm>
           <a:prstGeom prst="rect">
             <a:avLst/>
@@ -3398,8 +3398,8 @@
         </p:nvSpPr>
         <p:spPr>
           <a:xfrm>
-            <a:off x="6612209" y="1999007"/>
-            <a:ext cx="1103412" cy="1308076"/>
+            <a:off x="6944704" y="2007874"/>
+            <a:ext cx="1066631" cy="1308076"/>
           </a:xfrm>
           <a:prstGeom prst="rect">
             <a:avLst/>
@@ -3449,7 +3449,7 @@
         </p:nvSpPr>
         <p:spPr>
           <a:xfrm>
-            <a:off x="9202011" y="4998695"/>
+            <a:off x="8408151" y="5007578"/>
             <a:ext cx="1160818" cy="1308092"/>
           </a:xfrm>
           <a:prstGeom prst="rect">
@@ -3500,7 +3500,7 @@
         </p:nvSpPr>
         <p:spPr>
           <a:xfrm>
-            <a:off x="543180" y="4606291"/>
+            <a:off x="1488753" y="4615174"/>
             <a:ext cx="1913122" cy="523220"/>
           </a:xfrm>
           <a:prstGeom prst="rect">
@@ -3536,7 +3536,7 @@
         </p:nvSpPr>
         <p:spPr>
           <a:xfrm>
-            <a:off x="7255529" y="4615174"/>
+            <a:off x="6461669" y="4624057"/>
             <a:ext cx="1740050" cy="523220"/>
           </a:xfrm>
           <a:prstGeom prst="rect">
@@ -3575,7 +3575,7 @@
         </p:nvCxnSpPr>
         <p:spPr>
           <a:xfrm flipV="1">
-            <a:off x="2456302" y="4867893"/>
+            <a:off x="3401875" y="4876776"/>
             <a:ext cx="2197579" cy="8"/>
           </a:xfrm>
           <a:prstGeom prst="line">
@@ -3614,7 +3614,7 @@
         </p:nvCxnSpPr>
         <p:spPr>
           <a:xfrm>
-            <a:off x="8995579" y="4876784"/>
+            <a:off x="8201719" y="4885667"/>
             <a:ext cx="2553776" cy="0"/>
           </a:xfrm>
           <a:prstGeom prst="line">
@@ -3650,7 +3650,7 @@
         </p:nvSpPr>
         <p:spPr>
           <a:xfrm>
-            <a:off x="2835047" y="3429000"/>
+            <a:off x="3780620" y="3437883"/>
             <a:ext cx="1428747" cy="1308092"/>
           </a:xfrm>
           <a:prstGeom prst="chord">
@@ -3707,7 +3707,7 @@
         </p:nvSpPr>
         <p:spPr>
           <a:xfrm>
-            <a:off x="2857271" y="4989818"/>
+            <a:off x="3802844" y="4998701"/>
             <a:ext cx="1384298" cy="1308092"/>
           </a:xfrm>
           <a:prstGeom prst="ellipse">
@@ -3762,7 +3762,7 @@
         </p:nvSpPr>
         <p:spPr>
           <a:xfrm>
-            <a:off x="2839965" y="4989818"/>
+            <a:off x="3785538" y="4998701"/>
             <a:ext cx="1428747" cy="1308092"/>
           </a:xfrm>
           <a:prstGeom prst="chord">
@@ -3819,7 +3819,7 @@
         </p:nvSpPr>
         <p:spPr>
           <a:xfrm>
-            <a:off x="9648455" y="3429000"/>
+            <a:off x="8854595" y="3437883"/>
             <a:ext cx="1428747" cy="1308092"/>
           </a:xfrm>
           <a:prstGeom prst="chord">
@@ -3876,7 +3876,7 @@
         </p:nvSpPr>
         <p:spPr>
           <a:xfrm>
-            <a:off x="9648455" y="4998702"/>
+            <a:off x="8854595" y="5007585"/>
             <a:ext cx="1428747" cy="1308092"/>
           </a:xfrm>
           <a:prstGeom prst="chord">
@@ -3933,8 +3933,8 @@
         </p:nvSpPr>
         <p:spPr>
           <a:xfrm>
-            <a:off x="7023853" y="1999015"/>
-            <a:ext cx="1384298" cy="1308092"/>
+            <a:off x="7365712" y="2007882"/>
+            <a:ext cx="1338154" cy="1308092"/>
           </a:xfrm>
           <a:prstGeom prst="ellipse">
             <a:avLst/>
@@ -3988,8 +3988,8 @@
         </p:nvSpPr>
         <p:spPr>
           <a:xfrm>
-            <a:off x="7002296" y="1999007"/>
-            <a:ext cx="1428747" cy="1308092"/>
+            <a:off x="7345637" y="2007874"/>
+            <a:ext cx="1381121" cy="1308092"/>
           </a:xfrm>
           <a:prstGeom prst="chord">
             <a:avLst>
@@ -4045,8 +4045,8 @@
         </p:nvSpPr>
         <p:spPr>
           <a:xfrm>
-            <a:off x="3641295" y="2391435"/>
-            <a:ext cx="2840610" cy="523220"/>
+            <a:off x="3780620" y="2400302"/>
+            <a:ext cx="2996999" cy="523220"/>
           </a:xfrm>
           <a:prstGeom prst="rect">
             <a:avLst/>

--- a/images/precision_vs_recall.pptx
+++ b/images/precision_vs_recall.pptx
@@ -3340,7 +3340,7 @@
         </p:nvSpPr>
         <p:spPr>
           <a:xfrm>
-            <a:off x="8044184" y="2007874"/>
+            <a:off x="8011335" y="2007868"/>
             <a:ext cx="1055752" cy="1308092"/>
           </a:xfrm>
           <a:prstGeom prst="rect">
@@ -3400,57 +3400,6 @@
           <a:xfrm>
             <a:off x="6944704" y="2007874"/>
             <a:ext cx="1066631" cy="1308076"/>
-          </a:xfrm>
-          <a:prstGeom prst="rect">
-            <a:avLst/>
-          </a:prstGeom>
-          <a:ln>
-            <a:noFill/>
-          </a:ln>
-        </p:spPr>
-        <p:style>
-          <a:lnRef idx="2">
-            <a:schemeClr val="accent1">
-              <a:shade val="15000"/>
-            </a:schemeClr>
-          </a:lnRef>
-          <a:fillRef idx="1">
-            <a:schemeClr val="accent1"/>
-          </a:fillRef>
-          <a:effectRef idx="0">
-            <a:schemeClr val="accent1"/>
-          </a:effectRef>
-          <a:fontRef idx="minor">
-            <a:schemeClr val="lt1"/>
-          </a:fontRef>
-        </p:style>
-        <p:txBody>
-          <a:bodyPr rtlCol="0" anchor="ctr"/>
-          <a:lstStyle/>
-          <a:p>
-            <a:r>
-              <a:rPr lang="en-US" dirty="0"/>
-              <a:t>FN</a:t>
-            </a:r>
-          </a:p>
-        </p:txBody>
-      </p:sp>
-      <p:sp>
-        <p:nvSpPr>
-          <p:cNvPr id="23" name="Rectangle 22">
-            <a:extLst>
-              <a:ext uri="{FF2B5EF4-FFF2-40B4-BE49-F238E27FC236}">
-                <a16:creationId xmlns:a16="http://schemas.microsoft.com/office/drawing/2014/main" id="{D28FD6EE-2534-6F81-E56F-5649259750AA}"/>
-              </a:ext>
-            </a:extLst>
-          </p:cNvPr>
-          <p:cNvSpPr/>
-          <p:nvPr/>
-        </p:nvSpPr>
-        <p:spPr>
-          <a:xfrm>
-            <a:off x="8408151" y="5007578"/>
-            <a:ext cx="1160818" cy="1308092"/>
           </a:xfrm>
           <a:prstGeom prst="rect">
             <a:avLst/>
@@ -3638,10 +3587,46 @@
       </p:cxnSp>
       <p:sp>
         <p:nvSpPr>
-          <p:cNvPr id="18" name="Chord 17">
-            <a:extLst>
-              <a:ext uri="{FF2B5EF4-FFF2-40B4-BE49-F238E27FC236}">
-                <a16:creationId xmlns:a16="http://schemas.microsoft.com/office/drawing/2014/main" id="{EB682897-4A47-18F2-F44A-51158F4AC201}"/>
+          <p:cNvPr id="2" name="TextBox 1">
+            <a:extLst>
+              <a:ext uri="{FF2B5EF4-FFF2-40B4-BE49-F238E27FC236}">
+                <a16:creationId xmlns:a16="http://schemas.microsoft.com/office/drawing/2014/main" id="{37276DDE-F850-5511-8CB5-D03FE6317669}"/>
+              </a:ext>
+            </a:extLst>
+          </p:cNvPr>
+          <p:cNvSpPr txBox="1"/>
+          <p:nvPr/>
+        </p:nvSpPr>
+        <p:spPr>
+          <a:xfrm>
+            <a:off x="3780620" y="2400302"/>
+            <a:ext cx="2996999" cy="523220"/>
+          </a:xfrm>
+          <a:prstGeom prst="rect">
+            <a:avLst/>
+          </a:prstGeom>
+          <a:noFill/>
+        </p:spPr>
+        <p:txBody>
+          <a:bodyPr wrap="square" rtlCol="0">
+            <a:spAutoFit/>
+          </a:bodyPr>
+          <a:lstStyle/>
+          <a:p>
+            <a:pPr algn="ctr"/>
+            <a:r>
+              <a:rPr lang="en-US" sz="2800" dirty="0"/>
+              <a:t>Total Predictions =</a:t>
+            </a:r>
+          </a:p>
+        </p:txBody>
+      </p:sp>
+      <p:sp>
+        <p:nvSpPr>
+          <p:cNvPr id="3" name="Isosceles Triangle 2">
+            <a:extLst>
+              <a:ext uri="{FF2B5EF4-FFF2-40B4-BE49-F238E27FC236}">
+                <a16:creationId xmlns:a16="http://schemas.microsoft.com/office/drawing/2014/main" id="{0565B28A-227D-B549-945A-B65467299E25}"/>
               </a:ext>
             </a:extLst>
           </p:cNvPr>
@@ -3649,13 +3634,67 @@
           <p:nvPr/>
         </p:nvSpPr>
         <p:spPr>
+          <a:xfrm rot="16200000">
+            <a:off x="7035440" y="2340055"/>
+            <a:ext cx="1308074" cy="643716"/>
+          </a:xfrm>
+          <a:prstGeom prst="triangle">
+            <a:avLst>
+              <a:gd name="adj" fmla="val 50971"/>
+            </a:avLst>
+          </a:prstGeom>
+          <a:solidFill>
+            <a:srgbClr val="00B050"/>
+          </a:solidFill>
+          <a:ln>
+            <a:noFill/>
+          </a:ln>
+        </p:spPr>
+        <p:style>
+          <a:lnRef idx="2">
+            <a:schemeClr val="accent6">
+              <a:shade val="15000"/>
+            </a:schemeClr>
+          </a:lnRef>
+          <a:fillRef idx="1">
+            <a:schemeClr val="accent6"/>
+          </a:fillRef>
+          <a:effectRef idx="0">
+            <a:schemeClr val="accent6"/>
+          </a:effectRef>
+          <a:fontRef idx="minor">
+            <a:schemeClr val="lt1"/>
+          </a:fontRef>
+        </p:style>
+        <p:txBody>
+          <a:bodyPr rtlCol="0" anchor="ctr"/>
+          <a:lstStyle/>
+          <a:p>
+            <a:pPr algn="ctr"/>
+            <a:endParaRPr lang="en-US" dirty="0"/>
+          </a:p>
+        </p:txBody>
+      </p:sp>
+      <p:sp>
+        <p:nvSpPr>
+          <p:cNvPr id="27" name="Chord 26">
+            <a:extLst>
+              <a:ext uri="{FF2B5EF4-FFF2-40B4-BE49-F238E27FC236}">
+                <a16:creationId xmlns:a16="http://schemas.microsoft.com/office/drawing/2014/main" id="{11B7CF1A-8581-7094-CDE5-875456F554BA}"/>
+              </a:ext>
+            </a:extLst>
+          </p:cNvPr>
+          <p:cNvSpPr/>
+          <p:nvPr/>
+        </p:nvSpPr>
+        <p:spPr>
           <a:xfrm>
-            <a:off x="3780620" y="3437883"/>
-            <a:ext cx="1428747" cy="1308092"/>
+            <a:off x="7443133" y="2462539"/>
+            <a:ext cx="618012" cy="398744"/>
           </a:xfrm>
           <a:prstGeom prst="chord">
             <a:avLst>
-              <a:gd name="adj1" fmla="val 5345573"/>
+              <a:gd name="adj1" fmla="val 4228053"/>
               <a:gd name="adj2" fmla="val 16200000"/>
             </a:avLst>
           </a:prstGeom>
@@ -3695,10 +3734,10 @@
       </p:sp>
       <p:sp>
         <p:nvSpPr>
-          <p:cNvPr id="19" name="Oval 18">
-            <a:extLst>
-              <a:ext uri="{FF2B5EF4-FFF2-40B4-BE49-F238E27FC236}">
-                <a16:creationId xmlns:a16="http://schemas.microsoft.com/office/drawing/2014/main" id="{6D743893-4E3A-E136-F521-731F679879EE}"/>
+          <p:cNvPr id="4" name="Isosceles Triangle 3">
+            <a:extLst>
+              <a:ext uri="{FF2B5EF4-FFF2-40B4-BE49-F238E27FC236}">
+                <a16:creationId xmlns:a16="http://schemas.microsoft.com/office/drawing/2014/main" id="{453463FD-DEDF-81F2-C440-58625EC27699}"/>
               </a:ext>
             </a:extLst>
           </p:cNvPr>
@@ -3706,12 +3745,69 @@
           <p:nvPr/>
         </p:nvSpPr>
         <p:spPr>
+          <a:xfrm rot="5400000">
+            <a:off x="7677618" y="2340056"/>
+            <a:ext cx="1308074" cy="643715"/>
+          </a:xfrm>
+          <a:prstGeom prst="triangle">
+            <a:avLst>
+              <a:gd name="adj" fmla="val 49999"/>
+            </a:avLst>
+          </a:prstGeom>
+          <a:solidFill>
+            <a:srgbClr val="FF0000"/>
+          </a:solidFill>
+          <a:ln>
+            <a:noFill/>
+          </a:ln>
+        </p:spPr>
+        <p:style>
+          <a:lnRef idx="2">
+            <a:schemeClr val="accent6">
+              <a:shade val="15000"/>
+            </a:schemeClr>
+          </a:lnRef>
+          <a:fillRef idx="1">
+            <a:schemeClr val="accent6"/>
+          </a:fillRef>
+          <a:effectRef idx="0">
+            <a:schemeClr val="accent6"/>
+          </a:effectRef>
+          <a:fontRef idx="minor">
+            <a:schemeClr val="lt1"/>
+          </a:fontRef>
+        </p:style>
+        <p:txBody>
+          <a:bodyPr rtlCol="0" anchor="ctr"/>
+          <a:lstStyle/>
+          <a:p>
+            <a:pPr algn="ctr"/>
+            <a:endParaRPr lang="en-US" dirty="0"/>
+          </a:p>
+        </p:txBody>
+      </p:sp>
+      <p:sp>
+        <p:nvSpPr>
+          <p:cNvPr id="5" name="Chord 4">
+            <a:extLst>
+              <a:ext uri="{FF2B5EF4-FFF2-40B4-BE49-F238E27FC236}">
+                <a16:creationId xmlns:a16="http://schemas.microsoft.com/office/drawing/2014/main" id="{184AA4EB-DCB8-CE3D-E183-22B88D74D919}"/>
+              </a:ext>
+            </a:extLst>
+          </p:cNvPr>
+          <p:cNvSpPr/>
+          <p:nvPr/>
+        </p:nvSpPr>
+        <p:spPr>
           <a:xfrm>
-            <a:off x="3802844" y="4998701"/>
-            <a:ext cx="1384298" cy="1308092"/>
+            <a:off x="8009797" y="2462529"/>
+            <a:ext cx="612042" cy="398745"/>
           </a:xfrm>
-          <a:prstGeom prst="ellipse">
-            <a:avLst/>
+          <a:prstGeom prst="chord">
+            <a:avLst>
+              <a:gd name="adj1" fmla="val 4228053"/>
+              <a:gd name="adj2" fmla="val 16348097"/>
+            </a:avLst>
           </a:prstGeom>
           <a:solidFill>
             <a:srgbClr val="FF0000"/>
@@ -3740,7 +3836,6 @@
           <a:bodyPr rtlCol="0" anchor="ctr"/>
           <a:lstStyle/>
           <a:p>
-            <a:pPr algn="r"/>
             <a:r>
               <a:rPr lang="en-US" dirty="0"/>
               <a:t>FP</a:t>
@@ -3750,10 +3845,10 @@
       </p:sp>
       <p:sp>
         <p:nvSpPr>
-          <p:cNvPr id="20" name="Chord 19">
-            <a:extLst>
-              <a:ext uri="{FF2B5EF4-FFF2-40B4-BE49-F238E27FC236}">
-                <a16:creationId xmlns:a16="http://schemas.microsoft.com/office/drawing/2014/main" id="{8E6E5860-DE66-39F2-C06A-4A8EBD7FF37B}"/>
+          <p:cNvPr id="6" name="Isosceles Triangle 5">
+            <a:extLst>
+              <a:ext uri="{FF2B5EF4-FFF2-40B4-BE49-F238E27FC236}">
+                <a16:creationId xmlns:a16="http://schemas.microsoft.com/office/drawing/2014/main" id="{1053060B-8940-09EA-A6A8-E5159E311DBB}"/>
               </a:ext>
             </a:extLst>
           </p:cNvPr>
@@ -3761,13 +3856,67 @@
           <p:nvPr/>
         </p:nvSpPr>
         <p:spPr>
+          <a:xfrm rot="16200000">
+            <a:off x="3495186" y="3827188"/>
+            <a:ext cx="1308074" cy="643716"/>
+          </a:xfrm>
+          <a:prstGeom prst="triangle">
+            <a:avLst>
+              <a:gd name="adj" fmla="val 50971"/>
+            </a:avLst>
+          </a:prstGeom>
+          <a:solidFill>
+            <a:srgbClr val="00B050"/>
+          </a:solidFill>
+          <a:ln>
+            <a:noFill/>
+          </a:ln>
+        </p:spPr>
+        <p:style>
+          <a:lnRef idx="2">
+            <a:schemeClr val="accent6">
+              <a:shade val="15000"/>
+            </a:schemeClr>
+          </a:lnRef>
+          <a:fillRef idx="1">
+            <a:schemeClr val="accent6"/>
+          </a:fillRef>
+          <a:effectRef idx="0">
+            <a:schemeClr val="accent6"/>
+          </a:effectRef>
+          <a:fontRef idx="minor">
+            <a:schemeClr val="lt1"/>
+          </a:fontRef>
+        </p:style>
+        <p:txBody>
+          <a:bodyPr rtlCol="0" anchor="ctr"/>
+          <a:lstStyle/>
+          <a:p>
+            <a:pPr algn="ctr"/>
+            <a:endParaRPr lang="en-US" dirty="0"/>
+          </a:p>
+        </p:txBody>
+      </p:sp>
+      <p:sp>
+        <p:nvSpPr>
+          <p:cNvPr id="9" name="Chord 8">
+            <a:extLst>
+              <a:ext uri="{FF2B5EF4-FFF2-40B4-BE49-F238E27FC236}">
+                <a16:creationId xmlns:a16="http://schemas.microsoft.com/office/drawing/2014/main" id="{4AC7CBDE-01F6-C4C2-F7A7-140B97C50062}"/>
+              </a:ext>
+            </a:extLst>
+          </p:cNvPr>
+          <p:cNvSpPr/>
+          <p:nvPr/>
+        </p:nvSpPr>
+        <p:spPr>
           <a:xfrm>
-            <a:off x="3785538" y="4998701"/>
-            <a:ext cx="1428747" cy="1308092"/>
+            <a:off x="3902879" y="3949672"/>
+            <a:ext cx="618012" cy="398744"/>
           </a:xfrm>
           <a:prstGeom prst="chord">
             <a:avLst>
-              <a:gd name="adj1" fmla="val 5424543"/>
+              <a:gd name="adj1" fmla="val 4228053"/>
               <a:gd name="adj2" fmla="val 16200000"/>
             </a:avLst>
           </a:prstGeom>
@@ -3807,10 +3956,10 @@
       </p:sp>
       <p:sp>
         <p:nvSpPr>
-          <p:cNvPr id="21" name="Chord 20">
-            <a:extLst>
-              <a:ext uri="{FF2B5EF4-FFF2-40B4-BE49-F238E27FC236}">
-                <a16:creationId xmlns:a16="http://schemas.microsoft.com/office/drawing/2014/main" id="{1A661749-BDFF-7ED8-2D93-B58E3834B195}"/>
+          <p:cNvPr id="10" name="Isosceles Triangle 9">
+            <a:extLst>
+              <a:ext uri="{FF2B5EF4-FFF2-40B4-BE49-F238E27FC236}">
+                <a16:creationId xmlns:a16="http://schemas.microsoft.com/office/drawing/2014/main" id="{1D0CB4DD-8AEC-16C5-6FCD-37605070484A}"/>
               </a:ext>
             </a:extLst>
           </p:cNvPr>
@@ -3818,13 +3967,67 @@
           <p:nvPr/>
         </p:nvSpPr>
         <p:spPr>
+          <a:xfrm rot="16200000">
+            <a:off x="3499864" y="5294021"/>
+            <a:ext cx="1308074" cy="643716"/>
+          </a:xfrm>
+          <a:prstGeom prst="triangle">
+            <a:avLst>
+              <a:gd name="adj" fmla="val 50971"/>
+            </a:avLst>
+          </a:prstGeom>
+          <a:solidFill>
+            <a:srgbClr val="00B050"/>
+          </a:solidFill>
+          <a:ln>
+            <a:noFill/>
+          </a:ln>
+        </p:spPr>
+        <p:style>
+          <a:lnRef idx="2">
+            <a:schemeClr val="accent6">
+              <a:shade val="15000"/>
+            </a:schemeClr>
+          </a:lnRef>
+          <a:fillRef idx="1">
+            <a:schemeClr val="accent6"/>
+          </a:fillRef>
+          <a:effectRef idx="0">
+            <a:schemeClr val="accent6"/>
+          </a:effectRef>
+          <a:fontRef idx="minor">
+            <a:schemeClr val="lt1"/>
+          </a:fontRef>
+        </p:style>
+        <p:txBody>
+          <a:bodyPr rtlCol="0" anchor="ctr"/>
+          <a:lstStyle/>
+          <a:p>
+            <a:pPr algn="ctr"/>
+            <a:endParaRPr lang="en-US" dirty="0"/>
+          </a:p>
+        </p:txBody>
+      </p:sp>
+      <p:sp>
+        <p:nvSpPr>
+          <p:cNvPr id="11" name="Chord 10">
+            <a:extLst>
+              <a:ext uri="{FF2B5EF4-FFF2-40B4-BE49-F238E27FC236}">
+                <a16:creationId xmlns:a16="http://schemas.microsoft.com/office/drawing/2014/main" id="{BB8CE715-899B-736D-BDA8-95169C6D58A0}"/>
+              </a:ext>
+            </a:extLst>
+          </p:cNvPr>
+          <p:cNvSpPr/>
+          <p:nvPr/>
+        </p:nvSpPr>
+        <p:spPr>
           <a:xfrm>
-            <a:off x="8854595" y="3437883"/>
-            <a:ext cx="1428747" cy="1308092"/>
+            <a:off x="3907557" y="5416505"/>
+            <a:ext cx="618012" cy="398744"/>
           </a:xfrm>
           <a:prstGeom prst="chord">
             <a:avLst>
-              <a:gd name="adj1" fmla="val 5424543"/>
+              <a:gd name="adj1" fmla="val 4228053"/>
               <a:gd name="adj2" fmla="val 16200000"/>
             </a:avLst>
           </a:prstGeom>
@@ -3864,10 +4067,10 @@
       </p:sp>
       <p:sp>
         <p:nvSpPr>
-          <p:cNvPr id="22" name="Chord 21">
-            <a:extLst>
-              <a:ext uri="{FF2B5EF4-FFF2-40B4-BE49-F238E27FC236}">
-                <a16:creationId xmlns:a16="http://schemas.microsoft.com/office/drawing/2014/main" id="{F0163D7E-4483-2FD3-BB6D-5C343C4C00C6}"/>
+          <p:cNvPr id="13" name="Isosceles Triangle 12">
+            <a:extLst>
+              <a:ext uri="{FF2B5EF4-FFF2-40B4-BE49-F238E27FC236}">
+                <a16:creationId xmlns:a16="http://schemas.microsoft.com/office/drawing/2014/main" id="{1D34F57A-9CD9-A5D4-541E-5213D0B8FC2B}"/>
               </a:ext>
             </a:extLst>
           </p:cNvPr>
@@ -3875,13 +4078,229 @@
           <p:nvPr/>
         </p:nvSpPr>
         <p:spPr>
+          <a:xfrm rot="5400000">
+            <a:off x="4138902" y="5294021"/>
+            <a:ext cx="1308074" cy="643715"/>
+          </a:xfrm>
+          <a:prstGeom prst="triangle">
+            <a:avLst>
+              <a:gd name="adj" fmla="val 49999"/>
+            </a:avLst>
+          </a:prstGeom>
+          <a:solidFill>
+            <a:srgbClr val="FF0000"/>
+          </a:solidFill>
+          <a:ln>
+            <a:noFill/>
+          </a:ln>
+        </p:spPr>
+        <p:style>
+          <a:lnRef idx="2">
+            <a:schemeClr val="accent6">
+              <a:shade val="15000"/>
+            </a:schemeClr>
+          </a:lnRef>
+          <a:fillRef idx="1">
+            <a:schemeClr val="accent6"/>
+          </a:fillRef>
+          <a:effectRef idx="0">
+            <a:schemeClr val="accent6"/>
+          </a:effectRef>
+          <a:fontRef idx="minor">
+            <a:schemeClr val="lt1"/>
+          </a:fontRef>
+        </p:style>
+        <p:txBody>
+          <a:bodyPr rtlCol="0" anchor="ctr"/>
+          <a:lstStyle/>
+          <a:p>
+            <a:pPr algn="ctr"/>
+            <a:endParaRPr lang="en-US" dirty="0"/>
+          </a:p>
+        </p:txBody>
+      </p:sp>
+      <p:sp>
+        <p:nvSpPr>
+          <p:cNvPr id="14" name="Chord 13">
+            <a:extLst>
+              <a:ext uri="{FF2B5EF4-FFF2-40B4-BE49-F238E27FC236}">
+                <a16:creationId xmlns:a16="http://schemas.microsoft.com/office/drawing/2014/main" id="{A86D7BFD-7D80-B078-98F8-E9410AAB8675}"/>
+              </a:ext>
+            </a:extLst>
+          </p:cNvPr>
+          <p:cNvSpPr/>
+          <p:nvPr/>
+        </p:nvSpPr>
+        <p:spPr>
           <a:xfrm>
-            <a:off x="8854595" y="5007585"/>
-            <a:ext cx="1428747" cy="1308092"/>
+            <a:off x="4471081" y="5416494"/>
+            <a:ext cx="612042" cy="398745"/>
           </a:xfrm>
           <a:prstGeom prst="chord">
             <a:avLst>
-              <a:gd name="adj1" fmla="val 5356928"/>
+              <a:gd name="adj1" fmla="val 4228053"/>
+              <a:gd name="adj2" fmla="val 16348097"/>
+            </a:avLst>
+          </a:prstGeom>
+          <a:solidFill>
+            <a:srgbClr val="FF0000"/>
+          </a:solidFill>
+          <a:ln>
+            <a:noFill/>
+          </a:ln>
+        </p:spPr>
+        <p:style>
+          <a:lnRef idx="2">
+            <a:schemeClr val="accent1">
+              <a:shade val="15000"/>
+            </a:schemeClr>
+          </a:lnRef>
+          <a:fillRef idx="1">
+            <a:schemeClr val="accent1"/>
+          </a:fillRef>
+          <a:effectRef idx="0">
+            <a:schemeClr val="accent1"/>
+          </a:effectRef>
+          <a:fontRef idx="minor">
+            <a:schemeClr val="lt1"/>
+          </a:fontRef>
+        </p:style>
+        <p:txBody>
+          <a:bodyPr rtlCol="0" anchor="ctr"/>
+          <a:lstStyle/>
+          <a:p>
+            <a:r>
+              <a:rPr lang="en-US" dirty="0"/>
+              <a:t>FP</a:t>
+            </a:r>
+          </a:p>
+        </p:txBody>
+      </p:sp>
+      <p:sp>
+        <p:nvSpPr>
+          <p:cNvPr id="16" name="Rectangle 15">
+            <a:extLst>
+              <a:ext uri="{FF2B5EF4-FFF2-40B4-BE49-F238E27FC236}">
+                <a16:creationId xmlns:a16="http://schemas.microsoft.com/office/drawing/2014/main" id="{D691C020-022A-D82B-E7E5-15345833F7A6}"/>
+              </a:ext>
+            </a:extLst>
+          </p:cNvPr>
+          <p:cNvSpPr/>
+          <p:nvPr/>
+        </p:nvSpPr>
+        <p:spPr>
+          <a:xfrm>
+            <a:off x="8481960" y="4961840"/>
+            <a:ext cx="1066631" cy="1308076"/>
+          </a:xfrm>
+          <a:prstGeom prst="rect">
+            <a:avLst/>
+          </a:prstGeom>
+          <a:ln>
+            <a:noFill/>
+          </a:ln>
+        </p:spPr>
+        <p:style>
+          <a:lnRef idx="2">
+            <a:schemeClr val="accent1">
+              <a:shade val="15000"/>
+            </a:schemeClr>
+          </a:lnRef>
+          <a:fillRef idx="1">
+            <a:schemeClr val="accent1"/>
+          </a:fillRef>
+          <a:effectRef idx="0">
+            <a:schemeClr val="accent1"/>
+          </a:effectRef>
+          <a:fontRef idx="minor">
+            <a:schemeClr val="lt1"/>
+          </a:fontRef>
+        </p:style>
+        <p:txBody>
+          <a:bodyPr rtlCol="0" anchor="ctr"/>
+          <a:lstStyle/>
+          <a:p>
+            <a:r>
+              <a:rPr lang="en-US" dirty="0"/>
+              <a:t>FN</a:t>
+            </a:r>
+          </a:p>
+        </p:txBody>
+      </p:sp>
+      <p:sp>
+        <p:nvSpPr>
+          <p:cNvPr id="17" name="Isosceles Triangle 16">
+            <a:extLst>
+              <a:ext uri="{FF2B5EF4-FFF2-40B4-BE49-F238E27FC236}">
+                <a16:creationId xmlns:a16="http://schemas.microsoft.com/office/drawing/2014/main" id="{F537721E-53F2-6936-0235-49C74B93D731}"/>
+              </a:ext>
+            </a:extLst>
+          </p:cNvPr>
+          <p:cNvSpPr/>
+          <p:nvPr/>
+        </p:nvSpPr>
+        <p:spPr>
+          <a:xfrm rot="16200000">
+            <a:off x="8572696" y="5294021"/>
+            <a:ext cx="1308074" cy="643716"/>
+          </a:xfrm>
+          <a:prstGeom prst="triangle">
+            <a:avLst>
+              <a:gd name="adj" fmla="val 50971"/>
+            </a:avLst>
+          </a:prstGeom>
+          <a:solidFill>
+            <a:srgbClr val="00B050"/>
+          </a:solidFill>
+          <a:ln>
+            <a:noFill/>
+          </a:ln>
+        </p:spPr>
+        <p:style>
+          <a:lnRef idx="2">
+            <a:schemeClr val="accent6">
+              <a:shade val="15000"/>
+            </a:schemeClr>
+          </a:lnRef>
+          <a:fillRef idx="1">
+            <a:schemeClr val="accent6"/>
+          </a:fillRef>
+          <a:effectRef idx="0">
+            <a:schemeClr val="accent6"/>
+          </a:effectRef>
+          <a:fontRef idx="minor">
+            <a:schemeClr val="lt1"/>
+          </a:fontRef>
+        </p:style>
+        <p:txBody>
+          <a:bodyPr rtlCol="0" anchor="ctr"/>
+          <a:lstStyle/>
+          <a:p>
+            <a:pPr algn="ctr"/>
+            <a:endParaRPr lang="en-US" dirty="0"/>
+          </a:p>
+        </p:txBody>
+      </p:sp>
+      <p:sp>
+        <p:nvSpPr>
+          <p:cNvPr id="24" name="Chord 23">
+            <a:extLst>
+              <a:ext uri="{FF2B5EF4-FFF2-40B4-BE49-F238E27FC236}">
+                <a16:creationId xmlns:a16="http://schemas.microsoft.com/office/drawing/2014/main" id="{BC20EE3C-6F60-ADE3-1035-7B90A671A231}"/>
+              </a:ext>
+            </a:extLst>
+          </p:cNvPr>
+          <p:cNvSpPr/>
+          <p:nvPr/>
+        </p:nvSpPr>
+        <p:spPr>
+          <a:xfrm>
+            <a:off x="8980389" y="5416505"/>
+            <a:ext cx="618012" cy="398744"/>
+          </a:xfrm>
+          <a:prstGeom prst="chord">
+            <a:avLst>
+              <a:gd name="adj1" fmla="val 4228053"/>
               <a:gd name="adj2" fmla="val 16200000"/>
             </a:avLst>
           </a:prstGeom>
@@ -3921,10 +4340,10 @@
       </p:sp>
       <p:sp>
         <p:nvSpPr>
-          <p:cNvPr id="26" name="Oval 25">
-            <a:extLst>
-              <a:ext uri="{FF2B5EF4-FFF2-40B4-BE49-F238E27FC236}">
-                <a16:creationId xmlns:a16="http://schemas.microsoft.com/office/drawing/2014/main" id="{E7657B6C-2E9C-C54F-6F81-B2E4744340AC}"/>
+          <p:cNvPr id="25" name="Isosceles Triangle 24">
+            <a:extLst>
+              <a:ext uri="{FF2B5EF4-FFF2-40B4-BE49-F238E27FC236}">
+                <a16:creationId xmlns:a16="http://schemas.microsoft.com/office/drawing/2014/main" id="{47DD9E1E-E22F-AB65-B286-7F0A9797255C}"/>
               </a:ext>
             </a:extLst>
           </p:cNvPr>
@@ -3932,15 +4351,17 @@
           <p:nvPr/>
         </p:nvSpPr>
         <p:spPr>
-          <a:xfrm>
-            <a:off x="7365712" y="2007882"/>
-            <a:ext cx="1338154" cy="1308092"/>
+          <a:xfrm rot="16200000">
+            <a:off x="8572696" y="3874220"/>
+            <a:ext cx="1308074" cy="643716"/>
           </a:xfrm>
-          <a:prstGeom prst="ellipse">
-            <a:avLst/>
+          <a:prstGeom prst="triangle">
+            <a:avLst>
+              <a:gd name="adj" fmla="val 50971"/>
+            </a:avLst>
           </a:prstGeom>
           <a:solidFill>
-            <a:srgbClr val="FF0000"/>
+            <a:srgbClr val="00B050"/>
           </a:solidFill>
           <a:ln>
             <a:noFill/>
@@ -3948,15 +4369,15 @@
         </p:spPr>
         <p:style>
           <a:lnRef idx="2">
-            <a:schemeClr val="accent1">
+            <a:schemeClr val="accent6">
               <a:shade val="15000"/>
             </a:schemeClr>
           </a:lnRef>
           <a:fillRef idx="1">
-            <a:schemeClr val="accent1"/>
+            <a:schemeClr val="accent6"/>
           </a:fillRef>
           <a:effectRef idx="0">
-            <a:schemeClr val="accent1"/>
+            <a:schemeClr val="accent6"/>
           </a:effectRef>
           <a:fontRef idx="minor">
             <a:schemeClr val="lt1"/>
@@ -3966,20 +4387,17 @@
           <a:bodyPr rtlCol="0" anchor="ctr"/>
           <a:lstStyle/>
           <a:p>
-            <a:pPr algn="r"/>
-            <a:r>
-              <a:rPr lang="en-US" dirty="0"/>
-              <a:t>FP</a:t>
-            </a:r>
-          </a:p>
-        </p:txBody>
-      </p:sp>
-      <p:sp>
-        <p:nvSpPr>
-          <p:cNvPr id="27" name="Chord 26">
-            <a:extLst>
-              <a:ext uri="{FF2B5EF4-FFF2-40B4-BE49-F238E27FC236}">
-                <a16:creationId xmlns:a16="http://schemas.microsoft.com/office/drawing/2014/main" id="{11B7CF1A-8581-7094-CDE5-875456F554BA}"/>
+            <a:pPr algn="ctr"/>
+            <a:endParaRPr lang="en-US" dirty="0"/>
+          </a:p>
+        </p:txBody>
+      </p:sp>
+      <p:sp>
+        <p:nvSpPr>
+          <p:cNvPr id="30" name="Chord 29">
+            <a:extLst>
+              <a:ext uri="{FF2B5EF4-FFF2-40B4-BE49-F238E27FC236}">
+                <a16:creationId xmlns:a16="http://schemas.microsoft.com/office/drawing/2014/main" id="{7DDF4C8C-1061-ABF4-3ABE-CE9FA7CF83DB}"/>
               </a:ext>
             </a:extLst>
           </p:cNvPr>
@@ -3988,12 +4406,12 @@
         </p:nvSpPr>
         <p:spPr>
           <a:xfrm>
-            <a:off x="7345637" y="2007874"/>
-            <a:ext cx="1381121" cy="1308092"/>
+            <a:off x="8980389" y="3996704"/>
+            <a:ext cx="618012" cy="398744"/>
           </a:xfrm>
           <a:prstGeom prst="chord">
             <a:avLst>
-              <a:gd name="adj1" fmla="val 5407817"/>
+              <a:gd name="adj1" fmla="val 4228053"/>
               <a:gd name="adj2" fmla="val 16200000"/>
             </a:avLst>
           </a:prstGeom>
@@ -4027,42 +4445,6 @@
             <a:r>
               <a:rPr lang="en-US" dirty="0"/>
               <a:t>TP</a:t>
-            </a:r>
-          </a:p>
-        </p:txBody>
-      </p:sp>
-      <p:sp>
-        <p:nvSpPr>
-          <p:cNvPr id="2" name="TextBox 1">
-            <a:extLst>
-              <a:ext uri="{FF2B5EF4-FFF2-40B4-BE49-F238E27FC236}">
-                <a16:creationId xmlns:a16="http://schemas.microsoft.com/office/drawing/2014/main" id="{37276DDE-F850-5511-8CB5-D03FE6317669}"/>
-              </a:ext>
-            </a:extLst>
-          </p:cNvPr>
-          <p:cNvSpPr txBox="1"/>
-          <p:nvPr/>
-        </p:nvSpPr>
-        <p:spPr>
-          <a:xfrm>
-            <a:off x="3780620" y="2400302"/>
-            <a:ext cx="2996999" cy="523220"/>
-          </a:xfrm>
-          <a:prstGeom prst="rect">
-            <a:avLst/>
-          </a:prstGeom>
-          <a:noFill/>
-        </p:spPr>
-        <p:txBody>
-          <a:bodyPr wrap="square" rtlCol="0">
-            <a:spAutoFit/>
-          </a:bodyPr>
-          <a:lstStyle/>
-          <a:p>
-            <a:pPr algn="ctr"/>
-            <a:r>
-              <a:rPr lang="en-US" sz="2800" dirty="0"/>
-              <a:t>Total Predictions =</a:t>
             </a:r>
           </a:p>
         </p:txBody>
